--- a/01_视频教程/课堂PPT/1-1-1_走进LVGL.pptx
+++ b/01_视频教程/课堂PPT/1-1-1_走进LVGL.pptx
@@ -3457,7 +3457,7 @@
           <a:p>
             <a:r>
               <a:rPr lang="zh-CN" altLang="en-US" dirty="0"/>
-              <a:t>韦东山百问网</a:t>
+              <a:t>百问网</a:t>
             </a:r>
             <a:r>
               <a:rPr lang="en-US" altLang="zh-CN" dirty="0"/>
@@ -3615,6 +3615,49 @@
               <a:t>http://lvgl.100ask.net</a:t>
             </a:r>
             <a:endParaRPr lang="zh-CN" altLang="en-US" sz="1400" dirty="0"/>
+          </a:p>
+        </p:txBody>
+      </p:sp>
+      <p:sp>
+        <p:nvSpPr>
+          <p:cNvPr id="4" name="文本框 3">
+            <a:extLst>
+              <a:ext uri="{FF2B5EF4-FFF2-40B4-BE49-F238E27FC236}">
+                <a16:creationId xmlns:a16="http://schemas.microsoft.com/office/drawing/2014/main" id="{98539C1A-BE04-4B43-B4B7-41B0C1605A13}"/>
+              </a:ext>
+            </a:extLst>
+          </p:cNvPr>
+          <p:cNvSpPr txBox="1"/>
+          <p:nvPr/>
+        </p:nvSpPr>
+        <p:spPr>
+          <a:xfrm>
+            <a:off x="5400938" y="4245253"/>
+            <a:ext cx="1390124" cy="369332"/>
+          </a:xfrm>
+          <a:prstGeom prst="rect">
+            <a:avLst/>
+          </a:prstGeom>
+          <a:noFill/>
+        </p:spPr>
+        <p:txBody>
+          <a:bodyPr wrap="none" rtlCol="0">
+            <a:spAutoFit/>
+          </a:bodyPr>
+          <a:lstStyle/>
+          <a:p>
+            <a:r>
+              <a:rPr lang="zh-CN" altLang="en-US" dirty="0"/>
+              <a:t>韦东山</a:t>
+            </a:r>
+            <a:r>
+              <a:rPr lang="en-US" altLang="zh-CN" dirty="0"/>
+              <a:t>·</a:t>
+            </a:r>
+            <a:r>
+              <a:rPr lang="zh-CN" altLang="en-US" dirty="0"/>
+              <a:t>监制</a:t>
+            </a:r>
           </a:p>
         </p:txBody>
       </p:sp>

--- a/01_视频教程/课堂PPT/1-1-1_走进LVGL.pptx
+++ b/01_视频教程/课堂PPT/1-1-1_走进LVGL.pptx
@@ -367,7 +367,7 @@
           <a:p>
             <a:fld id="{E317E137-ED4E-4D7C-9DD8-04B774B853BB}" type="datetimeFigureOut">
               <a:rPr lang="zh-CN" altLang="en-US" smtClean="0"/>
-              <a:t>2021/12/9</a:t>
+              <a:t>2021/12/10</a:t>
             </a:fld>
             <a:endParaRPr lang="zh-CN" altLang="en-US"/>
           </a:p>
@@ -565,7 +565,7 @@
           <a:p>
             <a:fld id="{E317E137-ED4E-4D7C-9DD8-04B774B853BB}" type="datetimeFigureOut">
               <a:rPr lang="zh-CN" altLang="en-US" smtClean="0"/>
-              <a:t>2021/12/9</a:t>
+              <a:t>2021/12/10</a:t>
             </a:fld>
             <a:endParaRPr lang="zh-CN" altLang="en-US"/>
           </a:p>
@@ -773,7 +773,7 @@
           <a:p>
             <a:fld id="{E317E137-ED4E-4D7C-9DD8-04B774B853BB}" type="datetimeFigureOut">
               <a:rPr lang="zh-CN" altLang="en-US" smtClean="0"/>
-              <a:t>2021/12/9</a:t>
+              <a:t>2021/12/10</a:t>
             </a:fld>
             <a:endParaRPr lang="zh-CN" altLang="en-US"/>
           </a:p>
@@ -971,7 +971,7 @@
           <a:p>
             <a:fld id="{E317E137-ED4E-4D7C-9DD8-04B774B853BB}" type="datetimeFigureOut">
               <a:rPr lang="zh-CN" altLang="en-US" smtClean="0"/>
-              <a:t>2021/12/9</a:t>
+              <a:t>2021/12/10</a:t>
             </a:fld>
             <a:endParaRPr lang="zh-CN" altLang="en-US"/>
           </a:p>
@@ -1246,7 +1246,7 @@
           <a:p>
             <a:fld id="{E317E137-ED4E-4D7C-9DD8-04B774B853BB}" type="datetimeFigureOut">
               <a:rPr lang="zh-CN" altLang="en-US" smtClean="0"/>
-              <a:t>2021/12/9</a:t>
+              <a:t>2021/12/10</a:t>
             </a:fld>
             <a:endParaRPr lang="zh-CN" altLang="en-US"/>
           </a:p>
@@ -1511,7 +1511,7 @@
           <a:p>
             <a:fld id="{E317E137-ED4E-4D7C-9DD8-04B774B853BB}" type="datetimeFigureOut">
               <a:rPr lang="zh-CN" altLang="en-US" smtClean="0"/>
-              <a:t>2021/12/9</a:t>
+              <a:t>2021/12/10</a:t>
             </a:fld>
             <a:endParaRPr lang="zh-CN" altLang="en-US"/>
           </a:p>
@@ -1923,7 +1923,7 @@
           <a:p>
             <a:fld id="{E317E137-ED4E-4D7C-9DD8-04B774B853BB}" type="datetimeFigureOut">
               <a:rPr lang="zh-CN" altLang="en-US" smtClean="0"/>
-              <a:t>2021/12/9</a:t>
+              <a:t>2021/12/10</a:t>
             </a:fld>
             <a:endParaRPr lang="zh-CN" altLang="en-US"/>
           </a:p>
@@ -2064,7 +2064,7 @@
           <a:p>
             <a:fld id="{E317E137-ED4E-4D7C-9DD8-04B774B853BB}" type="datetimeFigureOut">
               <a:rPr lang="zh-CN" altLang="en-US" smtClean="0"/>
-              <a:t>2021/12/9</a:t>
+              <a:t>2021/12/10</a:t>
             </a:fld>
             <a:endParaRPr lang="zh-CN" altLang="en-US"/>
           </a:p>
@@ -2177,7 +2177,7 @@
           <a:p>
             <a:fld id="{E317E137-ED4E-4D7C-9DD8-04B774B853BB}" type="datetimeFigureOut">
               <a:rPr lang="zh-CN" altLang="en-US" smtClean="0"/>
-              <a:t>2021/12/9</a:t>
+              <a:t>2021/12/10</a:t>
             </a:fld>
             <a:endParaRPr lang="zh-CN" altLang="en-US"/>
           </a:p>
@@ -2488,7 +2488,7 @@
           <a:p>
             <a:fld id="{E317E137-ED4E-4D7C-9DD8-04B774B853BB}" type="datetimeFigureOut">
               <a:rPr lang="zh-CN" altLang="en-US" smtClean="0"/>
-              <a:t>2021/12/9</a:t>
+              <a:t>2021/12/10</a:t>
             </a:fld>
             <a:endParaRPr lang="zh-CN" altLang="en-US"/>
           </a:p>
@@ -2776,7 +2776,7 @@
           <a:p>
             <a:fld id="{E317E137-ED4E-4D7C-9DD8-04B774B853BB}" type="datetimeFigureOut">
               <a:rPr lang="zh-CN" altLang="en-US" smtClean="0"/>
-              <a:t>2021/12/9</a:t>
+              <a:t>2021/12/10</a:t>
             </a:fld>
             <a:endParaRPr lang="zh-CN" altLang="en-US"/>
           </a:p>
@@ -3017,7 +3017,7 @@
           <a:p>
             <a:fld id="{E317E137-ED4E-4D7C-9DD8-04B774B853BB}" type="datetimeFigureOut">
               <a:rPr lang="zh-CN" altLang="en-US" smtClean="0"/>
-              <a:t>2021/12/9</a:t>
+              <a:t>2021/12/10</a:t>
             </a:fld>
             <a:endParaRPr lang="zh-CN" altLang="en-US"/>
           </a:p>
@@ -3460,8 +3460,12 @@
               <a:t>百问网</a:t>
             </a:r>
             <a:r>
-              <a:rPr lang="en-US" altLang="zh-CN" dirty="0"/>
-              <a:t>LVGL</a:t>
+              <a:rPr lang="en-US" altLang="zh-CN" dirty="0">
+                <a:solidFill>
+                  <a:srgbClr val="FF0000"/>
+                </a:solidFill>
+              </a:rPr>
+              <a:t>LVGL(v8)</a:t>
             </a:r>
             <a:r>
               <a:rPr lang="zh-CN" altLang="en-US" dirty="0"/>
@@ -3486,7 +3490,12 @@
             <p:ph type="subTitle" idx="1"/>
           </p:nvPr>
         </p:nvSpPr>
-        <p:spPr/>
+        <p:spPr>
+          <a:xfrm>
+            <a:off x="1524000" y="3602038"/>
+            <a:ext cx="9144000" cy="468510"/>
+          </a:xfrm>
+        </p:spPr>
         <p:txBody>
           <a:bodyPr/>
           <a:lstStyle/>
@@ -3632,8 +3641,8 @@
         </p:nvSpPr>
         <p:spPr>
           <a:xfrm>
-            <a:off x="5400938" y="4245253"/>
-            <a:ext cx="1390124" cy="369332"/>
+            <a:off x="10692872" y="6211669"/>
+            <a:ext cx="1499128" cy="646331"/>
           </a:xfrm>
           <a:prstGeom prst="rect">
             <a:avLst/>
@@ -3645,6 +3654,17 @@
             <a:spAutoFit/>
           </a:bodyPr>
           <a:lstStyle/>
+          <a:p>
+            <a:r>
+              <a:rPr lang="zh-CN" altLang="en-US" dirty="0"/>
+              <a:t>讲师：</a:t>
+            </a:r>
+            <a:r>
+              <a:rPr lang="en-US" altLang="zh-CN" dirty="0" err="1"/>
+              <a:t>biubiu</a:t>
+            </a:r>
+            <a:endParaRPr lang="en-US" altLang="zh-CN" dirty="0"/>
+          </a:p>
           <a:p>
             <a:r>
               <a:rPr lang="zh-CN" altLang="en-US" dirty="0"/>

--- a/01_视频教程/课堂PPT/1-1-1_走进LVGL.pptx
+++ b/01_视频教程/课堂PPT/1-1-1_走进LVGL.pptx
@@ -367,7 +367,7 @@
           <a:p>
             <a:fld id="{E317E137-ED4E-4D7C-9DD8-04B774B853BB}" type="datetimeFigureOut">
               <a:rPr lang="zh-CN" altLang="en-US" smtClean="0"/>
-              <a:t>2021/12/10</a:t>
+              <a:t>2022/2/9</a:t>
             </a:fld>
             <a:endParaRPr lang="zh-CN" altLang="en-US"/>
           </a:p>
@@ -565,7 +565,7 @@
           <a:p>
             <a:fld id="{E317E137-ED4E-4D7C-9DD8-04B774B853BB}" type="datetimeFigureOut">
               <a:rPr lang="zh-CN" altLang="en-US" smtClean="0"/>
-              <a:t>2021/12/10</a:t>
+              <a:t>2022/2/9</a:t>
             </a:fld>
             <a:endParaRPr lang="zh-CN" altLang="en-US"/>
           </a:p>
@@ -773,7 +773,7 @@
           <a:p>
             <a:fld id="{E317E137-ED4E-4D7C-9DD8-04B774B853BB}" type="datetimeFigureOut">
               <a:rPr lang="zh-CN" altLang="en-US" smtClean="0"/>
-              <a:t>2021/12/10</a:t>
+              <a:t>2022/2/9</a:t>
             </a:fld>
             <a:endParaRPr lang="zh-CN" altLang="en-US"/>
           </a:p>
@@ -971,7 +971,7 @@
           <a:p>
             <a:fld id="{E317E137-ED4E-4D7C-9DD8-04B774B853BB}" type="datetimeFigureOut">
               <a:rPr lang="zh-CN" altLang="en-US" smtClean="0"/>
-              <a:t>2021/12/10</a:t>
+              <a:t>2022/2/9</a:t>
             </a:fld>
             <a:endParaRPr lang="zh-CN" altLang="en-US"/>
           </a:p>
@@ -1246,7 +1246,7 @@
           <a:p>
             <a:fld id="{E317E137-ED4E-4D7C-9DD8-04B774B853BB}" type="datetimeFigureOut">
               <a:rPr lang="zh-CN" altLang="en-US" smtClean="0"/>
-              <a:t>2021/12/10</a:t>
+              <a:t>2022/2/9</a:t>
             </a:fld>
             <a:endParaRPr lang="zh-CN" altLang="en-US"/>
           </a:p>
@@ -1511,7 +1511,7 @@
           <a:p>
             <a:fld id="{E317E137-ED4E-4D7C-9DD8-04B774B853BB}" type="datetimeFigureOut">
               <a:rPr lang="zh-CN" altLang="en-US" smtClean="0"/>
-              <a:t>2021/12/10</a:t>
+              <a:t>2022/2/9</a:t>
             </a:fld>
             <a:endParaRPr lang="zh-CN" altLang="en-US"/>
           </a:p>
@@ -1923,7 +1923,7 @@
           <a:p>
             <a:fld id="{E317E137-ED4E-4D7C-9DD8-04B774B853BB}" type="datetimeFigureOut">
               <a:rPr lang="zh-CN" altLang="en-US" smtClean="0"/>
-              <a:t>2021/12/10</a:t>
+              <a:t>2022/2/9</a:t>
             </a:fld>
             <a:endParaRPr lang="zh-CN" altLang="en-US"/>
           </a:p>
@@ -2064,7 +2064,7 @@
           <a:p>
             <a:fld id="{E317E137-ED4E-4D7C-9DD8-04B774B853BB}" type="datetimeFigureOut">
               <a:rPr lang="zh-CN" altLang="en-US" smtClean="0"/>
-              <a:t>2021/12/10</a:t>
+              <a:t>2022/2/9</a:t>
             </a:fld>
             <a:endParaRPr lang="zh-CN" altLang="en-US"/>
           </a:p>
@@ -2177,7 +2177,7 @@
           <a:p>
             <a:fld id="{E317E137-ED4E-4D7C-9DD8-04B774B853BB}" type="datetimeFigureOut">
               <a:rPr lang="zh-CN" altLang="en-US" smtClean="0"/>
-              <a:t>2021/12/10</a:t>
+              <a:t>2022/2/9</a:t>
             </a:fld>
             <a:endParaRPr lang="zh-CN" altLang="en-US"/>
           </a:p>
@@ -2488,7 +2488,7 @@
           <a:p>
             <a:fld id="{E317E137-ED4E-4D7C-9DD8-04B774B853BB}" type="datetimeFigureOut">
               <a:rPr lang="zh-CN" altLang="en-US" smtClean="0"/>
-              <a:t>2021/12/10</a:t>
+              <a:t>2022/2/9</a:t>
             </a:fld>
             <a:endParaRPr lang="zh-CN" altLang="en-US"/>
           </a:p>
@@ -2776,7 +2776,7 @@
           <a:p>
             <a:fld id="{E317E137-ED4E-4D7C-9DD8-04B774B853BB}" type="datetimeFigureOut">
               <a:rPr lang="zh-CN" altLang="en-US" smtClean="0"/>
-              <a:t>2021/12/10</a:t>
+              <a:t>2022/2/9</a:t>
             </a:fld>
             <a:endParaRPr lang="zh-CN" altLang="en-US"/>
           </a:p>
@@ -3017,7 +3017,7 @@
           <a:p>
             <a:fld id="{E317E137-ED4E-4D7C-9DD8-04B774B853BB}" type="datetimeFigureOut">
               <a:rPr lang="zh-CN" altLang="en-US" smtClean="0"/>
-              <a:t>2021/12/10</a:t>
+              <a:t>2022/2/9</a:t>
             </a:fld>
             <a:endParaRPr lang="zh-CN" altLang="en-US"/>
           </a:p>
@@ -3565,7 +3565,7 @@
         </p:nvSpPr>
         <p:spPr>
           <a:xfrm>
-            <a:off x="0" y="6315958"/>
+            <a:off x="0" y="6086061"/>
             <a:ext cx="1600118" cy="307777"/>
           </a:xfrm>
           <a:prstGeom prst="rect">
@@ -3603,8 +3603,8 @@
         </p:nvSpPr>
         <p:spPr>
           <a:xfrm>
-            <a:off x="0" y="6550223"/>
-            <a:ext cx="1805302" cy="307777"/>
+            <a:off x="0" y="6320326"/>
+            <a:ext cx="4685122" cy="523220"/>
           </a:xfrm>
           <a:prstGeom prst="rect">
             <a:avLst/>
@@ -3612,7 +3612,7 @@
           <a:noFill/>
         </p:spPr>
         <p:txBody>
-          <a:bodyPr wrap="none" rtlCol="0">
+          <a:bodyPr wrap="square" rtlCol="0">
             <a:spAutoFit/>
           </a:bodyPr>
           <a:lstStyle/>
@@ -3621,9 +3621,24 @@
               <a:rPr lang="en-US" altLang="zh-CN" sz="1400" dirty="0">
                 <a:hlinkClick r:id="rId4"/>
               </a:rPr>
-              <a:t>http://lvgl.100ask.net</a:t>
-            </a:r>
-            <a:endParaRPr lang="zh-CN" altLang="en-US" sz="1400" dirty="0"/>
+              <a:t>http://lvgl.100ask</a:t>
+            </a:r>
+            <a:r>
+              <a:rPr lang="en-US" altLang="zh-CN" sz="1400">
+                <a:hlinkClick r:id="rId4"/>
+              </a:rPr>
+              <a:t>.net</a:t>
+            </a:r>
+            <a:endParaRPr lang="en-US" altLang="zh-CN" sz="1400"/>
+          </a:p>
+          <a:p>
+            <a:r>
+              <a:rPr lang="en-US" altLang="zh-CN" sz="1400">
+                <a:hlinkClick r:id="rId5"/>
+              </a:rPr>
+              <a:t>https://github.com/lvgl/lvgl/blob/master/README_zh.md</a:t>
+            </a:r>
+            <a:endParaRPr lang="zh-CN" altLang="en-US" sz="1400"/>
           </a:p>
         </p:txBody>
       </p:sp>
@@ -4439,13 +4454,28 @@
           </a:lstStyle>
           <a:p>
             <a:r>
-              <a:rPr lang="zh-CN" altLang="zh-CN" dirty="0"/>
+              <a:rPr lang="zh-CN" altLang="zh-CN"/>
               <a:t>这句话的意思就是：</a:t>
             </a:r>
             <a:r>
-              <a:rPr lang="zh-CN" altLang="zh-CN" u="sng" dirty="0"/>
+              <a:rPr lang="zh-CN" altLang="zh-CN" u="sng"/>
               <a:t>轻便且多功能的图形库</a:t>
             </a:r>
+            <a:r>
+              <a:rPr lang="en-US" altLang="zh-CN" u="sng"/>
+              <a:t> (</a:t>
+            </a:r>
+            <a:r>
+              <a:rPr lang="zh-CN" altLang="en-US" u="sng">
+                <a:hlinkClick r:id="rId3"/>
+              </a:rPr>
+              <a:t>轻量级通用型图形库</a:t>
+            </a:r>
+            <a:r>
+              <a:rPr lang="en-US" altLang="zh-CN" u="sng"/>
+              <a:t>)</a:t>
+            </a:r>
+            <a:endParaRPr lang="zh-CN" altLang="zh-CN" u="sng" dirty="0"/>
           </a:p>
         </p:txBody>
       </p:sp>
@@ -4695,8 +4725,8 @@
         </p:nvSpPr>
         <p:spPr>
           <a:xfrm>
-            <a:off x="0" y="6550223"/>
-            <a:ext cx="1519540" cy="307777"/>
+            <a:off x="0" y="6334780"/>
+            <a:ext cx="5203596" cy="523220"/>
           </a:xfrm>
           <a:prstGeom prst="rect">
             <a:avLst/>
@@ -4713,7 +4743,22 @@
               <a:rPr lang="zh-CN" altLang="en-US" sz="1400" dirty="0">
                 <a:hlinkClick r:id="rId2"/>
               </a:rPr>
-              <a:t>https://lvgl.io</a:t>
+              <a:t>https://lvgl</a:t>
+            </a:r>
+            <a:r>
+              <a:rPr lang="zh-CN" altLang="en-US" sz="1400">
+                <a:hlinkClick r:id="rId2"/>
+              </a:rPr>
+              <a:t>.io</a:t>
+            </a:r>
+            <a:endParaRPr lang="en-US" altLang="zh-CN" sz="1400"/>
+          </a:p>
+          <a:p>
+            <a:r>
+              <a:rPr lang="en-US" altLang="zh-CN" sz="1400">
+                <a:hlinkClick r:id="rId3"/>
+              </a:rPr>
+              <a:t>https://github.com/lvgl/lvgl/blob/master/README_zh.md</a:t>
             </a:r>
             <a:endParaRPr lang="zh-CN" altLang="en-US" sz="1400" dirty="0"/>
           </a:p>
